--- a/变步长增量电导法finall.pptx
+++ b/变步长增量电导法finall.pptx
@@ -1932,7 +1932,7 @@
           <a:p>
             <a:fld id="{530820CF-B880-4189-942D-D702A7CBA730}" type="datetimeFigureOut">
               <a:rPr lang="zh-CN" altLang="en-US" smtClean="0"/>
-              <a:t>2019/6/10</a:t>
+              <a:t>2019/6/19</a:t>
             </a:fld>
             <a:endParaRPr lang="zh-CN" altLang="en-US"/>
           </a:p>
@@ -2113,7 +2113,7 @@
           <a:p>
             <a:fld id="{530820CF-B880-4189-942D-D702A7CBA730}" type="datetimeFigureOut">
               <a:rPr lang="zh-CN" altLang="en-US" smtClean="0"/>
-              <a:t>2019/6/10</a:t>
+              <a:t>2019/6/19</a:t>
             </a:fld>
             <a:endParaRPr lang="zh-CN" altLang="en-US"/>
           </a:p>
@@ -2264,7 +2264,7 @@
           <a:p>
             <a:fld id="{530820CF-B880-4189-942D-D702A7CBA730}" type="datetimeFigureOut">
               <a:rPr lang="zh-CN" altLang="en-US" smtClean="0"/>
-              <a:t>2019/6/10</a:t>
+              <a:t>2019/6/19</a:t>
             </a:fld>
             <a:endParaRPr lang="zh-CN" altLang="en-US"/>
           </a:p>
@@ -4090,7 +4090,7 @@
           <a:p>
             <a:fld id="{530820CF-B880-4189-942D-D702A7CBA730}" type="datetimeFigureOut">
               <a:rPr lang="zh-CN" altLang="en-US" smtClean="0"/>
-              <a:t>2019/6/10</a:t>
+              <a:t>2019/6/19</a:t>
             </a:fld>
             <a:endParaRPr lang="zh-CN" altLang="en-US"/>
           </a:p>
@@ -5960,7 +5960,7 @@
           <a:p>
             <a:fld id="{530820CF-B880-4189-942D-D702A7CBA730}" type="datetimeFigureOut">
               <a:rPr lang="zh-CN" altLang="en-US" smtClean="0"/>
-              <a:t>2019/6/10</a:t>
+              <a:t>2019/6/19</a:t>
             </a:fld>
             <a:endParaRPr lang="zh-CN" altLang="en-US"/>
           </a:p>
@@ -6073,7 +6073,7 @@
           <a:p>
             <a:fld id="{530820CF-B880-4189-942D-D702A7CBA730}" type="datetimeFigureOut">
               <a:rPr lang="zh-CN" altLang="en-US" smtClean="0"/>
-              <a:t>2019/6/10</a:t>
+              <a:t>2019/6/19</a:t>
             </a:fld>
             <a:endParaRPr lang="zh-CN" altLang="en-US"/>
           </a:p>
@@ -6614,7 +6614,7 @@
           <a:p>
             <a:fld id="{530820CF-B880-4189-942D-D702A7CBA730}" type="datetimeFigureOut">
               <a:rPr lang="zh-CN" altLang="en-US" smtClean="0"/>
-              <a:t>2019/6/10</a:t>
+              <a:t>2019/6/19</a:t>
             </a:fld>
             <a:endParaRPr lang="zh-CN" altLang="en-US"/>
           </a:p>
@@ -6727,7 +6727,7 @@
           <a:p>
             <a:fld id="{530820CF-B880-4189-942D-D702A7CBA730}" type="datetimeFigureOut">
               <a:rPr lang="zh-CN" altLang="en-US" smtClean="0"/>
-              <a:t>2019/6/10</a:t>
+              <a:t>2019/6/19</a:t>
             </a:fld>
             <a:endParaRPr lang="zh-CN" altLang="en-US"/>
           </a:p>
@@ -8438,7 +8438,7 @@
           <a:p>
             <a:fld id="{530820CF-B880-4189-942D-D702A7CBA730}" type="datetimeFigureOut">
               <a:rPr lang="zh-CN" altLang="en-US" smtClean="0"/>
-              <a:t>2019/6/10</a:t>
+              <a:t>2019/6/19</a:t>
             </a:fld>
             <a:endParaRPr lang="zh-CN" altLang="en-US"/>
           </a:p>
@@ -8589,7 +8589,7 @@
           <a:p>
             <a:fld id="{530820CF-B880-4189-942D-D702A7CBA730}" type="datetimeFigureOut">
               <a:rPr lang="zh-CN" altLang="en-US" smtClean="0"/>
-              <a:t>2019/6/10</a:t>
+              <a:t>2019/6/19</a:t>
             </a:fld>
             <a:endParaRPr lang="zh-CN" altLang="en-US"/>
           </a:p>
@@ -12204,7 +12204,7 @@
           <a:p>
             <a:fld id="{530820CF-B880-4189-942D-D702A7CBA730}" type="datetimeFigureOut">
               <a:rPr lang="zh-CN" altLang="en-US" smtClean="0"/>
-              <a:t>2019/6/10</a:t>
+              <a:t>2019/6/19</a:t>
             </a:fld>
             <a:endParaRPr lang="zh-CN" altLang="en-US"/>
           </a:p>
@@ -14063,7 +14063,7 @@
           <a:p>
             <a:fld id="{530820CF-B880-4189-942D-D702A7CBA730}" type="datetimeFigureOut">
               <a:rPr lang="zh-CN" altLang="en-US" smtClean="0"/>
-              <a:t>2019/6/10</a:t>
+              <a:t>2019/6/19</a:t>
             </a:fld>
             <a:endParaRPr lang="zh-CN" altLang="en-US"/>
           </a:p>
@@ -14643,59 +14643,6 @@
           </a:p>
         </p:txBody>
       </p:sp>
-      <p:sp>
-        <p:nvSpPr>
-          <p:cNvPr id="3" name="副标题 2"/>
-          <p:cNvSpPr>
-            <a:spLocks noGrp="1"/>
-          </p:cNvSpPr>
-          <p:nvPr>
-            <p:ph type="subTitle" idx="1"/>
-          </p:nvPr>
-        </p:nvSpPr>
-        <p:spPr>
-          <a:xfrm>
-            <a:off x="5508104" y="2780928"/>
-            <a:ext cx="3240360" cy="504057"/>
-          </a:xfrm>
-        </p:spPr>
-        <p:txBody>
-          <a:bodyPr/>
-          <a:lstStyle/>
-          <a:p>
-            <a:r>
-              <a:rPr lang="en-US" altLang="zh-CN" dirty="0" smtClean="0">
-                <a:solidFill>
-                  <a:schemeClr val="tx1">
-                    <a:lumMod val="95000"/>
-                    <a:lumOff val="5000"/>
-                  </a:schemeClr>
-                </a:solidFill>
-              </a:rPr>
-              <a:t>By:</a:t>
-            </a:r>
-            <a:r>
-              <a:rPr lang="zh-CN" altLang="en-US" dirty="0" smtClean="0">
-                <a:solidFill>
-                  <a:schemeClr val="tx1">
-                    <a:lumMod val="95000"/>
-                    <a:lumOff val="5000"/>
-                  </a:schemeClr>
-                </a:solidFill>
-              </a:rPr>
-              <a:t>黄光明</a:t>
-            </a:r>
-            <a:endParaRPr lang="zh-CN" altLang="en-US" dirty="0">
-              <a:solidFill>
-                <a:schemeClr val="tx1">
-                  <a:lumMod val="95000"/>
-                  <a:lumOff val="5000"/>
-                </a:schemeClr>
-              </a:solidFill>
-            </a:endParaRPr>
-          </a:p>
-        </p:txBody>
-      </p:sp>
     </p:spTree>
     <p:extLst>
       <p:ext uri="{BB962C8B-B14F-4D97-AF65-F5344CB8AC3E}">
@@ -14992,11 +14939,6 @@
               </a:rPr>
               <a:t>模拟光照突变</a:t>
             </a:r>
-            <a:endParaRPr lang="zh-CN" altLang="en-US" sz="2400" b="1" dirty="0">
-              <a:solidFill>
-                <a:srgbClr val="FF0000"/>
-              </a:solidFill>
-            </a:endParaRPr>
           </a:p>
         </p:txBody>
       </p:sp>
